--- a/Presentation_Team_7.pptx
+++ b/Presentation_Team_7.pptx
@@ -7,10 +7,11 @@
   <p:sldIdLst>
     <p:sldId id="256" r:id="rId2"/>
     <p:sldId id="257" r:id="rId3"/>
-    <p:sldId id="258" r:id="rId4"/>
-    <p:sldId id="259" r:id="rId5"/>
-    <p:sldId id="260" r:id="rId6"/>
-    <p:sldId id="261" r:id="rId7"/>
+    <p:sldId id="262" r:id="rId4"/>
+    <p:sldId id="258" r:id="rId5"/>
+    <p:sldId id="259" r:id="rId6"/>
+    <p:sldId id="260" r:id="rId7"/>
+    <p:sldId id="261" r:id="rId8"/>
   </p:sldIdLst>
   <p:sldSz cx="12192000" cy="6858000"/>
   <p:notesSz cx="6858000" cy="9144000"/>
@@ -109,6 +110,11 @@
       </a:defRPr>
     </a:lvl9pPr>
   </p:defaultTextStyle>
+  <p:extLst>
+    <p:ext uri="{EFAFB233-063F-42B5-8137-9DF3F51BA10A}">
+      <p15:sldGuideLst xmlns:p15="http://schemas.microsoft.com/office/powerpoint/2012/main"/>
+    </p:ext>
+  </p:extLst>
 </p:presentation>
 </file>
 
@@ -917,9 +923,10 @@
         <a:lstStyle/>
         <a:p>
           <a:r>
-            <a:rPr lang="de-AT" dirty="0"/>
-            <a:t>…</a:t>
+            <a:rPr lang="en-US" b="0" i="0" dirty="0"/>
+            <a:t> Learning from others, gaining new perspective, understanding and patience for different personality types, overall great experience</a:t>
           </a:r>
+          <a:endParaRPr lang="de-AT" dirty="0"/>
         </a:p>
       </dgm:t>
     </dgm:pt>
@@ -1061,9 +1068,18 @@
         <a:lstStyle/>
         <a:p>
           <a:r>
-            <a:rPr lang="de-AT" dirty="0"/>
-            <a:t>…</a:t>
+            <a:rPr lang="en-US" b="0" i="0" dirty="0"/>
+            <a:t> Go to the team meeting with </a:t>
           </a:r>
+          <a:r>
+            <a:rPr lang="en-US" b="0" i="0" dirty="0" err="1"/>
+            <a:t>ego.min</a:t>
+          </a:r>
+          <a:r>
+            <a:rPr lang="en-US" b="0" i="0" dirty="0"/>
+            <a:t> file</a:t>
+          </a:r>
+          <a:endParaRPr lang="de-AT" dirty="0"/>
         </a:p>
       </dgm:t>
     </dgm:pt>
@@ -1169,6 +1185,10 @@
         <a:lstStyle/>
         <a:p>
           <a:r>
+            <a:rPr lang="de-AT" dirty="0"/>
+            <a:t> </a:t>
+          </a:r>
+          <a:r>
             <a:rPr lang="de-AT" dirty="0" err="1"/>
             <a:t>Good</a:t>
           </a:r>
@@ -1250,14 +1270,7 @@
         <a:p>
           <a:r>
             <a:rPr lang="en-US" b="0" i="0" dirty="0"/>
-            <a:t>Organizing yourself in the beginning of a project is a bit like peeling an onion.</a:t>
-          </a:r>
-          <a:br>
-            <a:rPr lang="en-US" dirty="0"/>
-          </a:br>
-          <a:r>
-            <a:rPr lang="en-US" b="0" i="0" dirty="0"/>
-            <a:t>Its tedious at the beginning -to find the start, but after you manage to grab the edge of the first layer, you can just start tearing away.</a:t>
+            <a:t> Working on a project is like peeling through an onion: The first layer is always hard to grab.</a:t>
           </a:r>
           <a:endParaRPr lang="de-AT" dirty="0"/>
         </a:p>
@@ -1528,12 +1541,12 @@
         <a:fontRef idx="minor"/>
       </dsp:style>
       <dsp:txBody>
-        <a:bodyPr spcFirstLastPara="0" vert="horz" wrap="square" lIns="41910" tIns="20955" rIns="41910" bIns="20955" numCol="1" spcCol="1270" anchor="ctr" anchorCtr="0">
+        <a:bodyPr spcFirstLastPara="0" vert="horz" wrap="square" lIns="60960" tIns="30480" rIns="60960" bIns="30480" numCol="1" spcCol="1270" anchor="ctr" anchorCtr="0">
           <a:noAutofit/>
         </a:bodyPr>
         <a:lstStyle/>
         <a:p>
-          <a:pPr marL="57150" lvl="1" indent="-57150" algn="l" defTabSz="488950">
+          <a:pPr marL="171450" lvl="1" indent="-171450" algn="l" defTabSz="711200">
             <a:lnSpc>
               <a:spcPct val="90000"/>
             </a:lnSpc>
@@ -1546,9 +1559,10 @@
             <a:buChar char="•"/>
           </a:pPr>
           <a:r>
-            <a:rPr lang="de-AT" sz="1100" kern="1200" dirty="0"/>
-            <a:t>…</a:t>
+            <a:rPr lang="en-US" sz="1600" b="0" i="0" kern="1200" dirty="0"/>
+            <a:t> Learning from others, gaining new perspective, understanding and patience for different personality types, overall great experience</a:t>
           </a:r>
+          <a:endParaRPr lang="de-AT" sz="1600" kern="1200" dirty="0"/>
         </a:p>
       </dsp:txBody>
       <dsp:txXfrm rot="-5400000">
@@ -1684,12 +1698,12 @@
         <a:fontRef idx="minor"/>
       </dsp:style>
       <dsp:txBody>
-        <a:bodyPr spcFirstLastPara="0" vert="horz" wrap="square" lIns="41910" tIns="20955" rIns="41910" bIns="20955" numCol="1" spcCol="1270" anchor="ctr" anchorCtr="0">
+        <a:bodyPr spcFirstLastPara="0" vert="horz" wrap="square" lIns="60960" tIns="30480" rIns="60960" bIns="30480" numCol="1" spcCol="1270" anchor="ctr" anchorCtr="0">
           <a:noAutofit/>
         </a:bodyPr>
         <a:lstStyle/>
         <a:p>
-          <a:pPr marL="57150" lvl="1" indent="-57150" algn="l" defTabSz="488950">
+          <a:pPr marL="171450" lvl="1" indent="-171450" algn="l" defTabSz="711200">
             <a:lnSpc>
               <a:spcPct val="90000"/>
             </a:lnSpc>
@@ -1702,7 +1716,7 @@
             <a:buChar char="•"/>
           </a:pPr>
           <a:r>
-            <a:rPr lang="de-AT" sz="1100" kern="1200" dirty="0"/>
+            <a:rPr lang="de-AT" sz="1600" kern="1200" dirty="0"/>
             <a:t>…</a:t>
           </a:r>
         </a:p>
@@ -1840,12 +1854,12 @@
         <a:fontRef idx="minor"/>
       </dsp:style>
       <dsp:txBody>
-        <a:bodyPr spcFirstLastPara="0" vert="horz" wrap="square" lIns="41910" tIns="20955" rIns="41910" bIns="20955" numCol="1" spcCol="1270" anchor="ctr" anchorCtr="0">
+        <a:bodyPr spcFirstLastPara="0" vert="horz" wrap="square" lIns="60960" tIns="30480" rIns="60960" bIns="30480" numCol="1" spcCol="1270" anchor="ctr" anchorCtr="0">
           <a:noAutofit/>
         </a:bodyPr>
         <a:lstStyle/>
         <a:p>
-          <a:pPr marL="57150" lvl="1" indent="-57150" algn="l" defTabSz="488950">
+          <a:pPr marL="171450" lvl="1" indent="-171450" algn="l" defTabSz="711200">
             <a:lnSpc>
               <a:spcPct val="90000"/>
             </a:lnSpc>
@@ -1858,9 +1872,18 @@
             <a:buChar char="•"/>
           </a:pPr>
           <a:r>
-            <a:rPr lang="de-AT" sz="1100" kern="1200" dirty="0"/>
-            <a:t>…</a:t>
+            <a:rPr lang="en-US" sz="1600" b="0" i="0" kern="1200" dirty="0"/>
+            <a:t> Go to the team meeting with </a:t>
           </a:r>
+          <a:r>
+            <a:rPr lang="en-US" sz="1600" b="0" i="0" kern="1200" dirty="0" err="1"/>
+            <a:t>ego.min</a:t>
+          </a:r>
+          <a:r>
+            <a:rPr lang="en-US" sz="1600" b="0" i="0" kern="1200" dirty="0"/>
+            <a:t> file</a:t>
+          </a:r>
+          <a:endParaRPr lang="de-AT" sz="1600" kern="1200" dirty="0"/>
         </a:p>
       </dsp:txBody>
       <dsp:txXfrm rot="-5400000">
@@ -1996,12 +2019,12 @@
         <a:fontRef idx="minor"/>
       </dsp:style>
       <dsp:txBody>
-        <a:bodyPr spcFirstLastPara="0" vert="horz" wrap="square" lIns="41910" tIns="20955" rIns="41910" bIns="20955" numCol="1" spcCol="1270" anchor="ctr" anchorCtr="0">
+        <a:bodyPr spcFirstLastPara="0" vert="horz" wrap="square" lIns="60960" tIns="30480" rIns="60960" bIns="30480" numCol="1" spcCol="1270" anchor="ctr" anchorCtr="0">
           <a:noAutofit/>
         </a:bodyPr>
         <a:lstStyle/>
         <a:p>
-          <a:pPr marL="57150" lvl="1" indent="-57150" algn="l" defTabSz="488950">
+          <a:pPr marL="171450" lvl="1" indent="-171450" algn="l" defTabSz="711200">
             <a:lnSpc>
               <a:spcPct val="90000"/>
             </a:lnSpc>
@@ -2014,51 +2037,55 @@
             <a:buChar char="•"/>
           </a:pPr>
           <a:r>
-            <a:rPr lang="de-AT" sz="1100" kern="1200" dirty="0" err="1"/>
+            <a:rPr lang="de-AT" sz="1600" kern="1200" dirty="0"/>
+            <a:t> </a:t>
+          </a:r>
+          <a:r>
+            <a:rPr lang="de-AT" sz="1600" kern="1200" dirty="0" err="1"/>
             <a:t>Good</a:t>
           </a:r>
           <a:r>
-            <a:rPr lang="de-AT" sz="1100" kern="1200" dirty="0"/>
+            <a:rPr lang="de-AT" sz="1600" kern="1200" dirty="0"/>
             <a:t> </a:t>
           </a:r>
           <a:r>
-            <a:rPr lang="de-AT" sz="1100" kern="1200" dirty="0" err="1"/>
+            <a:rPr lang="de-AT" sz="1600" kern="1200" dirty="0" err="1"/>
             <a:t>for</a:t>
           </a:r>
           <a:r>
-            <a:rPr lang="de-AT" sz="1100" kern="1200" dirty="0"/>
+            <a:rPr lang="de-AT" sz="1600" kern="1200" dirty="0"/>
             <a:t> </a:t>
           </a:r>
           <a:r>
-            <a:rPr lang="de-AT" sz="1100" kern="1200" dirty="0" err="1"/>
+            <a:rPr lang="de-AT" sz="1600" kern="1200" dirty="0" err="1"/>
             <a:t>improving</a:t>
           </a:r>
           <a:r>
-            <a:rPr lang="de-AT" sz="1100" kern="1200" dirty="0"/>
+            <a:rPr lang="de-AT" sz="1600" kern="1200" dirty="0"/>
             <a:t> </a:t>
           </a:r>
           <a:r>
-            <a:rPr lang="de-AT" sz="1100" kern="1200" dirty="0" err="1"/>
+            <a:rPr lang="de-AT" sz="1600" kern="1200" dirty="0" err="1"/>
             <a:t>team</a:t>
           </a:r>
           <a:r>
-            <a:rPr lang="de-AT" sz="1100" kern="1200" dirty="0"/>
+            <a:rPr lang="de-AT" sz="1600" kern="1200" dirty="0"/>
             <a:t> </a:t>
           </a:r>
           <a:r>
-            <a:rPr lang="de-AT" sz="1100" kern="1200" dirty="0" err="1"/>
+            <a:rPr lang="de-AT" sz="1600" kern="1200" dirty="0" err="1"/>
             <a:t>working</a:t>
           </a:r>
           <a:r>
-            <a:rPr lang="de-AT" sz="1100" kern="1200" dirty="0"/>
+            <a:rPr lang="de-AT" sz="1600" kern="1200" dirty="0"/>
             <a:t> </a:t>
           </a:r>
           <a:r>
-            <a:rPr lang="de-AT" sz="1100" kern="1200" dirty="0" err="1"/>
+            <a:rPr lang="de-AT" sz="1600" kern="1200" dirty="0" err="1"/>
             <a:t>skills</a:t>
           </a:r>
           <a:r>
-            <a:rPr lang="de-AT" sz="1100" kern="1200" dirty="0"/>
+            <a:rPr lang="de-AT" sz="1600" kern="1200" dirty="0"/>
             <a:t> ;-) </a:t>
           </a:r>
         </a:p>
@@ -2196,12 +2223,12 @@
         <a:fontRef idx="minor"/>
       </dsp:style>
       <dsp:txBody>
-        <a:bodyPr spcFirstLastPara="0" vert="horz" wrap="square" lIns="41910" tIns="20955" rIns="41910" bIns="20955" numCol="1" spcCol="1270" anchor="ctr" anchorCtr="0">
+        <a:bodyPr spcFirstLastPara="0" vert="horz" wrap="square" lIns="60960" tIns="30480" rIns="60960" bIns="30480" numCol="1" spcCol="1270" anchor="ctr" anchorCtr="0">
           <a:noAutofit/>
         </a:bodyPr>
         <a:lstStyle/>
         <a:p>
-          <a:pPr marL="57150" lvl="1" indent="-57150" algn="l" defTabSz="488950">
+          <a:pPr marL="171450" lvl="1" indent="-171450" algn="l" defTabSz="711200">
             <a:lnSpc>
               <a:spcPct val="90000"/>
             </a:lnSpc>
@@ -2214,17 +2241,10 @@
             <a:buChar char="•"/>
           </a:pPr>
           <a:r>
-            <a:rPr lang="en-US" sz="1100" b="0" i="0" kern="1200" dirty="0"/>
-            <a:t>Organizing yourself in the beginning of a project is a bit like peeling an onion.</a:t>
+            <a:rPr lang="en-US" sz="1600" b="0" i="0" kern="1200" dirty="0"/>
+            <a:t> Working on a project is like peeling through an onion: The first layer is always hard to grab.</a:t>
           </a:r>
-          <a:br>
-            <a:rPr lang="en-US" sz="1100" kern="1200" dirty="0"/>
-          </a:br>
-          <a:r>
-            <a:rPr lang="en-US" sz="1100" b="0" i="0" kern="1200" dirty="0"/>
-            <a:t>Its tedious at the beginning -to find the start, but after you manage to grab the edge of the first layer, you can just start tearing away.</a:t>
-          </a:r>
-          <a:endParaRPr lang="de-AT" sz="1100" kern="1200" dirty="0"/>
+          <a:endParaRPr lang="de-AT" sz="1600" kern="1200" dirty="0"/>
         </a:p>
       </dsp:txBody>
       <dsp:txXfrm rot="-5400000">
@@ -3686,7 +3706,7 @@
           <a:effectLst/>
           <a:extLst>
             <a:ext uri="{91240B29-F687-4f45-9708-019B960494DF}">
-              <a14:hiddenLine xmlns:a14="http://schemas.microsoft.com/office/drawing/2010/main" xmlns="" w="9525">
+              <a14:hiddenLine xmlns="" xmlns:a14="http://schemas.microsoft.com/office/drawing/2010/main" w="9525">
                 <a:solidFill>
                   <a:srgbClr val="000000"/>
                 </a:solidFill>
@@ -3879,7 +3899,7 @@
             <a:fld id="{08B9EBBA-996F-894A-B54A-D6246ED52CEA}" type="datetimeFigureOut">
               <a:rPr lang="en-US" dirty="0"/>
               <a:pPr/>
-              <a:t>3/31/2021</a:t>
+              <a:t>4/1/2021</a:t>
             </a:fld>
             <a:endParaRPr lang="en-US" dirty="0"/>
           </a:p>
@@ -4194,7 +4214,7 @@
             <a:fld id="{18C79C5D-2A6F-F04D-97DA-BEF2467B64E4}" type="datetimeFigureOut">
               <a:rPr lang="en-US" dirty="0"/>
               <a:pPr/>
-              <a:t>3/31/2021</a:t>
+              <a:t>4/1/2021</a:t>
             </a:fld>
             <a:endParaRPr lang="en-US" dirty="0"/>
           </a:p>
@@ -4679,7 +4699,7 @@
             <a:fld id="{8DFA1846-DA80-1C48-A609-854EA85C59AD}" type="datetimeFigureOut">
               <a:rPr lang="en-US" dirty="0"/>
               <a:pPr/>
-              <a:t>3/31/2021</a:t>
+              <a:t>4/1/2021</a:t>
             </a:fld>
             <a:endParaRPr lang="en-US" dirty="0"/>
           </a:p>
@@ -5045,7 +5065,7 @@
             <a:fld id="{FBF54567-0DE4-3F47-BF90-CB84690072F9}" type="datetimeFigureOut">
               <a:rPr lang="en-US" dirty="0"/>
               <a:pPr/>
-              <a:t>3/31/2021</a:t>
+              <a:t>4/1/2021</a:t>
             </a:fld>
             <a:endParaRPr lang="en-US" dirty="0"/>
           </a:p>
@@ -5196,7 +5216,7 @@
           <a:ln/>
           <a:extLst>
             <a:ext uri="{91240B29-F687-4f45-9708-019B960494DF}">
-              <a14:hiddenLine xmlns:a14="http://schemas.microsoft.com/office/drawing/2010/main" xmlns="" w="9525">
+              <a14:hiddenLine xmlns="" xmlns:a14="http://schemas.microsoft.com/office/drawing/2010/main" w="9525">
                 <a:solidFill>
                   <a:srgbClr val="000000"/>
                 </a:solidFill>
@@ -5315,7 +5335,7 @@
             <a:fld id="{C6C52C72-DE31-F449-A4ED-4C594FD91407}" type="datetimeFigureOut">
               <a:rPr lang="en-US" dirty="0"/>
               <a:pPr/>
-              <a:t>3/31/2021</a:t>
+              <a:t>4/1/2021</a:t>
             </a:fld>
             <a:endParaRPr lang="en-US" dirty="0"/>
           </a:p>
@@ -5468,7 +5488,7 @@
           <a:ln/>
           <a:extLst>
             <a:ext uri="{91240B29-F687-4f45-9708-019B960494DF}">
-              <a14:hiddenLine xmlns:a14="http://schemas.microsoft.com/office/drawing/2010/main" xmlns="" w="9525">
+              <a14:hiddenLine xmlns="" xmlns:a14="http://schemas.microsoft.com/office/drawing/2010/main" w="9525">
                 <a:solidFill>
                   <a:srgbClr val="000000"/>
                 </a:solidFill>
@@ -5597,7 +5617,7 @@
             <a:fld id="{ED62726E-379B-B349-9EED-81ED093FA806}" type="datetimeFigureOut">
               <a:rPr lang="en-US" dirty="0"/>
               <a:pPr/>
-              <a:t>3/31/2021</a:t>
+              <a:t>4/1/2021</a:t>
             </a:fld>
             <a:endParaRPr lang="en-US" dirty="0"/>
           </a:p>
@@ -5751,7 +5771,7 @@
           <a:ln/>
           <a:extLst>
             <a:ext uri="{91240B29-F687-4f45-9708-019B960494DF}">
-              <a14:hiddenLine xmlns:a14="http://schemas.microsoft.com/office/drawing/2010/main" xmlns="" w="9525">
+              <a14:hiddenLine xmlns="" xmlns:a14="http://schemas.microsoft.com/office/drawing/2010/main" w="9525">
                 <a:solidFill>
                   <a:srgbClr val="000000"/>
                 </a:solidFill>
@@ -5880,7 +5900,7 @@
             <a:fld id="{9B3A1323-8D79-1946-B0D7-40001CF92E9D}" type="datetimeFigureOut">
               <a:rPr lang="en-US" dirty="0"/>
               <a:pPr/>
-              <a:t>3/31/2021</a:t>
+              <a:t>4/1/2021</a:t>
             </a:fld>
             <a:endParaRPr lang="en-US" dirty="0"/>
           </a:p>
@@ -6220,7 +6240,7 @@
             <a:fld id="{8DFA1846-DA80-1C48-A609-854EA85C59AD}" type="datetimeFigureOut">
               <a:rPr lang="en-US" dirty="0"/>
               <a:pPr/>
-              <a:t>3/31/2021</a:t>
+              <a:t>4/1/2021</a:t>
             </a:fld>
             <a:endParaRPr lang="en-US" dirty="0"/>
           </a:p>
@@ -6371,7 +6391,7 @@
           <a:ln/>
           <a:extLst>
             <a:ext uri="{91240B29-F687-4f45-9708-019B960494DF}">
-              <a14:hiddenLine xmlns:a14="http://schemas.microsoft.com/office/drawing/2010/main" xmlns="" w="9525">
+              <a14:hiddenLine xmlns="" xmlns:a14="http://schemas.microsoft.com/office/drawing/2010/main" w="9525">
                 <a:solidFill>
                   <a:srgbClr val="000000"/>
                 </a:solidFill>
@@ -6556,7 +6576,7 @@
             <a:fld id="{57302355-E14B-8545-A8F8-0FE83CC9D524}" type="datetimeFigureOut">
               <a:rPr lang="en-US" dirty="0"/>
               <a:pPr/>
-              <a:t>3/31/2021</a:t>
+              <a:t>4/1/2021</a:t>
             </a:fld>
             <a:endParaRPr lang="en-US" dirty="0"/>
           </a:p>
@@ -6710,7 +6730,7 @@
           <a:ln/>
           <a:extLst>
             <a:ext uri="{91240B29-F687-4f45-9708-019B960494DF}">
-              <a14:hiddenLine xmlns:a14="http://schemas.microsoft.com/office/drawing/2010/main" xmlns="" w="9525">
+              <a14:hiddenLine xmlns="" xmlns:a14="http://schemas.microsoft.com/office/drawing/2010/main" w="9525">
                 <a:solidFill>
                   <a:srgbClr val="000000"/>
                 </a:solidFill>
@@ -7033,7 +7053,7 @@
             <a:fld id="{02640F58-564D-2B4F-AE67-E407BA4FCF45}" type="datetimeFigureOut">
               <a:rPr lang="en-US" dirty="0"/>
               <a:pPr/>
-              <a:t>3/31/2021</a:t>
+              <a:t>4/1/2021</a:t>
             </a:fld>
             <a:endParaRPr lang="en-US" dirty="0"/>
           </a:p>
@@ -7184,7 +7204,7 @@
           <a:ln/>
           <a:extLst>
             <a:ext uri="{91240B29-F687-4f45-9708-019B960494DF}">
-              <a14:hiddenLine xmlns:a14="http://schemas.microsoft.com/office/drawing/2010/main" xmlns="" w="9525">
+              <a14:hiddenLine xmlns="" xmlns:a14="http://schemas.microsoft.com/office/drawing/2010/main" w="9525">
                 <a:solidFill>
                   <a:srgbClr val="000000"/>
                 </a:solidFill>
@@ -7251,7 +7271,7 @@
             <a:fld id="{F13A34C8-038E-2045-AF43-DF7DBB8E0E9E}" type="datetimeFigureOut">
               <a:rPr lang="en-US" dirty="0"/>
               <a:pPr/>
-              <a:t>3/31/2021</a:t>
+              <a:t>4/1/2021</a:t>
             </a:fld>
             <a:endParaRPr lang="en-US" dirty="0"/>
           </a:p>
@@ -7343,7 +7363,7 @@
             <a:fld id="{8818C68F-D26B-8F47-958C-23B49CF8A634}" type="datetimeFigureOut">
               <a:rPr lang="en-US" dirty="0"/>
               <a:pPr/>
-              <a:t>3/31/2021</a:t>
+              <a:t>4/1/2021</a:t>
             </a:fld>
             <a:endParaRPr lang="en-US" dirty="0"/>
           </a:p>
@@ -7607,7 +7627,7 @@
           <a:ln/>
           <a:extLst>
             <a:ext uri="{91240B29-F687-4f45-9708-019B960494DF}">
-              <a14:hiddenLine xmlns:a14="http://schemas.microsoft.com/office/drawing/2010/main" xmlns="" w="9525">
+              <a14:hiddenLine xmlns="" xmlns:a14="http://schemas.microsoft.com/office/drawing/2010/main" w="9525">
                 <a:solidFill>
                   <a:srgbClr val="000000"/>
                 </a:solidFill>
@@ -7807,7 +7827,7 @@
             <a:fld id="{D0DF5E60-9974-AC48-9591-99C2BB44B7CF}" type="datetimeFigureOut">
               <a:rPr lang="en-US" dirty="0"/>
               <a:pPr/>
-              <a:t>3/31/2021</a:t>
+              <a:t>4/1/2021</a:t>
             </a:fld>
             <a:endParaRPr lang="en-US" dirty="0"/>
           </a:p>
@@ -8117,7 +8137,7 @@
             <a:fld id="{18C79C5D-2A6F-F04D-97DA-BEF2467B64E4}" type="datetimeFigureOut">
               <a:rPr lang="en-US" dirty="0"/>
               <a:pPr/>
-              <a:t>3/31/2021</a:t>
+              <a:t>4/1/2021</a:t>
             </a:fld>
             <a:endParaRPr lang="en-US" dirty="0"/>
           </a:p>
@@ -8384,7 +8404,7 @@
             <a:fld id="{09B482E8-6E0E-1B4F-B1FD-C69DB9E858D9}" type="datetimeFigureOut">
               <a:rPr lang="en-US" dirty="0"/>
               <a:pPr/>
-              <a:t>3/31/2021</a:t>
+              <a:t>4/1/2021</a:t>
             </a:fld>
             <a:endParaRPr lang="en-US" dirty="0"/>
           </a:p>
@@ -9015,10 +9035,10 @@
       </p:sp>
       <p:pic>
         <p:nvPicPr>
-          <p:cNvPr id="5" name="Inhaltsplatzhalter 4">
+          <p:cNvPr id="7" name="Inhaltsplatzhalter 6" descr="Ein Bild, das Text enthält.&#10;&#10;Automatisch generierte Beschreibung">
             <a:extLst>
               <a:ext uri="{FF2B5EF4-FFF2-40B4-BE49-F238E27FC236}">
-                <a16:creationId xmlns:a16="http://schemas.microsoft.com/office/drawing/2014/main" id="{36A19683-EC4C-434D-91E9-08D13943234D}"/>
+                <a16:creationId xmlns:a16="http://schemas.microsoft.com/office/drawing/2014/main" id="{5F42088C-4A13-4D06-A1F9-329B06A8FC7F}"/>
               </a:ext>
             </a:extLst>
           </p:cNvPr>
@@ -9037,8 +9057,8 @@
         </p:blipFill>
         <p:spPr>
           <a:xfrm>
-            <a:off x="1557401" y="2274670"/>
-            <a:ext cx="9077198" cy="4136142"/>
+            <a:off x="1751364" y="2222500"/>
+            <a:ext cx="7660571" cy="4415062"/>
           </a:xfrm>
         </p:spPr>
       </p:pic>
@@ -9056,6 +9076,98 @@
 </file>
 
 <file path=ppt/slides/slide3.xml><?xml version="1.0" encoding="utf-8"?>
+<p:sld xmlns:a="http://schemas.openxmlformats.org/drawingml/2006/main" xmlns:r="http://schemas.openxmlformats.org/officeDocument/2006/relationships" xmlns:p="http://schemas.openxmlformats.org/presentationml/2006/main">
+  <p:cSld>
+    <p:spTree>
+      <p:nvGrpSpPr>
+        <p:cNvPr id="1" name=""/>
+        <p:cNvGrpSpPr/>
+        <p:nvPr/>
+      </p:nvGrpSpPr>
+      <p:grpSpPr>
+        <a:xfrm>
+          <a:off x="0" y="0"/>
+          <a:ext cx="0" cy="0"/>
+          <a:chOff x="0" y="0"/>
+          <a:chExt cx="0" cy="0"/>
+        </a:xfrm>
+      </p:grpSpPr>
+      <p:sp>
+        <p:nvSpPr>
+          <p:cNvPr id="2" name="Titel 1">
+            <a:extLst>
+              <a:ext uri="{FF2B5EF4-FFF2-40B4-BE49-F238E27FC236}">
+                <a16:creationId xmlns:a16="http://schemas.microsoft.com/office/drawing/2014/main" id="{044CBF8F-B4C9-4BDD-AA9F-476A3AF2BB66}"/>
+              </a:ext>
+            </a:extLst>
+          </p:cNvPr>
+          <p:cNvSpPr>
+            <a:spLocks noGrp="1"/>
+          </p:cNvSpPr>
+          <p:nvPr>
+            <p:ph type="title"/>
+          </p:nvPr>
+        </p:nvSpPr>
+        <p:spPr/>
+        <p:txBody>
+          <a:bodyPr/>
+          <a:lstStyle/>
+          <a:p>
+            <a:r>
+              <a:rPr lang="de-AT" dirty="0"/>
+              <a:t>Code </a:t>
+            </a:r>
+            <a:r>
+              <a:rPr lang="de-AT" dirty="0" err="1"/>
+              <a:t>Snippets</a:t>
+            </a:r>
+            <a:endParaRPr lang="de-AT" dirty="0"/>
+          </a:p>
+        </p:txBody>
+      </p:sp>
+      <p:pic>
+        <p:nvPicPr>
+          <p:cNvPr id="5" name="Inhaltsplatzhalter 4" descr="Ein Bild, das Text enthält.&#10;&#10;Automatisch generierte Beschreibung">
+            <a:extLst>
+              <a:ext uri="{FF2B5EF4-FFF2-40B4-BE49-F238E27FC236}">
+                <a16:creationId xmlns:a16="http://schemas.microsoft.com/office/drawing/2014/main" id="{BC209A6E-9709-44B7-A905-6148EF81051D}"/>
+              </a:ext>
+            </a:extLst>
+          </p:cNvPr>
+          <p:cNvPicPr>
+            <a:picLocks noGrp="1" noChangeAspect="1"/>
+          </p:cNvPicPr>
+          <p:nvPr>
+            <p:ph idx="1"/>
+          </p:nvPr>
+        </p:nvPicPr>
+        <p:blipFill>
+          <a:blip r:embed="rId2"/>
+          <a:stretch>
+            <a:fillRect/>
+          </a:stretch>
+        </p:blipFill>
+        <p:spPr>
+          <a:xfrm>
+            <a:off x="3007599" y="2414520"/>
+            <a:ext cx="6176801" cy="3751148"/>
+          </a:xfrm>
+        </p:spPr>
+      </p:pic>
+    </p:spTree>
+    <p:extLst>
+      <p:ext uri="{BB962C8B-B14F-4D97-AF65-F5344CB8AC3E}">
+        <p14:creationId xmlns:p14="http://schemas.microsoft.com/office/powerpoint/2010/main" val="4199309232"/>
+      </p:ext>
+    </p:extLst>
+  </p:cSld>
+  <p:clrMapOvr>
+    <a:masterClrMapping/>
+  </p:clrMapOvr>
+</p:sld>
+</file>
+
+<file path=ppt/slides/slide4.xml><?xml version="1.0" encoding="utf-8"?>
 <p:sld xmlns:a="http://schemas.openxmlformats.org/drawingml/2006/main" xmlns:r="http://schemas.openxmlformats.org/officeDocument/2006/relationships" xmlns:p="http://schemas.openxmlformats.org/presentationml/2006/main">
   <p:cSld>
     <p:spTree>
@@ -9175,7 +9287,7 @@
 </p:sld>
 </file>
 
-<file path=ppt/slides/slide4.xml><?xml version="1.0" encoding="utf-8"?>
+<file path=ppt/slides/slide5.xml><?xml version="1.0" encoding="utf-8"?>
 <p:sld xmlns:a="http://schemas.openxmlformats.org/drawingml/2006/main" xmlns:r="http://schemas.openxmlformats.org/officeDocument/2006/relationships" xmlns:p="http://schemas.openxmlformats.org/presentationml/2006/main">
   <p:cSld>
     <p:spTree>
@@ -9261,224 +9373,6 @@
 </p:sld>
 </file>
 
-<file path=ppt/slides/slide5.xml><?xml version="1.0" encoding="utf-8"?>
-<p:sld xmlns:a="http://schemas.openxmlformats.org/drawingml/2006/main" xmlns:r="http://schemas.openxmlformats.org/officeDocument/2006/relationships" xmlns:p="http://schemas.openxmlformats.org/presentationml/2006/main">
-  <p:cSld>
-    <p:spTree>
-      <p:nvGrpSpPr>
-        <p:cNvPr id="1" name=""/>
-        <p:cNvGrpSpPr/>
-        <p:nvPr/>
-      </p:nvGrpSpPr>
-      <p:grpSpPr>
-        <a:xfrm>
-          <a:off x="0" y="0"/>
-          <a:ext cx="0" cy="0"/>
-          <a:chOff x="0" y="0"/>
-          <a:chExt cx="0" cy="0"/>
-        </a:xfrm>
-      </p:grpSpPr>
-      <p:sp>
-        <p:nvSpPr>
-          <p:cNvPr id="2" name="Titel 1">
-            <a:extLst>
-              <a:ext uri="{FF2B5EF4-FFF2-40B4-BE49-F238E27FC236}">
-                <a16:creationId xmlns:a16="http://schemas.microsoft.com/office/drawing/2014/main" id="{59D53CCE-F5AD-4E33-BF3E-668912E3EF66}"/>
-              </a:ext>
-            </a:extLst>
-          </p:cNvPr>
-          <p:cNvSpPr>
-            <a:spLocks noGrp="1"/>
-          </p:cNvSpPr>
-          <p:nvPr>
-            <p:ph type="title"/>
-          </p:nvPr>
-        </p:nvSpPr>
-        <p:spPr/>
-        <p:txBody>
-          <a:bodyPr/>
-          <a:lstStyle/>
-          <a:p>
-            <a:r>
-              <a:rPr lang="de-AT" dirty="0"/>
-              <a:t>Summary</a:t>
-            </a:r>
-          </a:p>
-        </p:txBody>
-      </p:sp>
-      <p:sp>
-        <p:nvSpPr>
-          <p:cNvPr id="3" name="Inhaltsplatzhalter 2">
-            <a:extLst>
-              <a:ext uri="{FF2B5EF4-FFF2-40B4-BE49-F238E27FC236}">
-                <a16:creationId xmlns:a16="http://schemas.microsoft.com/office/drawing/2014/main" id="{78A17CCD-F033-4A35-960E-57F8CD8CA085}"/>
-              </a:ext>
-            </a:extLst>
-          </p:cNvPr>
-          <p:cNvSpPr>
-            <a:spLocks noGrp="1"/>
-          </p:cNvSpPr>
-          <p:nvPr>
-            <p:ph sz="half" idx="2"/>
-          </p:nvPr>
-        </p:nvSpPr>
-        <p:spPr>
-          <a:xfrm>
-            <a:off x="814729" y="2247900"/>
-            <a:ext cx="5189856" cy="3613151"/>
-          </a:xfrm>
-        </p:spPr>
-        <p:txBody>
-          <a:bodyPr>
-            <a:normAutofit/>
-          </a:bodyPr>
-          <a:lstStyle/>
-          <a:p>
-            <a:r>
-              <a:rPr lang="en-US" dirty="0"/>
-              <a:t> Technology</a:t>
-            </a:r>
-          </a:p>
-          <a:p>
-            <a:pPr lvl="1"/>
-            <a:r>
-              <a:rPr lang="en-US" dirty="0"/>
-              <a:t>Angular, CSS, </a:t>
-            </a:r>
-            <a:r>
-              <a:rPr lang="en-US" dirty="0" err="1"/>
-              <a:t>Youtube</a:t>
-            </a:r>
-            <a:r>
-              <a:rPr lang="en-US" dirty="0"/>
-              <a:t>-Player</a:t>
-            </a:r>
-          </a:p>
-          <a:p>
-            <a:r>
-              <a:rPr lang="en-US" dirty="0"/>
-              <a:t>Tools</a:t>
-            </a:r>
-          </a:p>
-          <a:p>
-            <a:pPr lvl="1"/>
-            <a:r>
-              <a:rPr lang="en-US" dirty="0" err="1"/>
-              <a:t>MindMeister</a:t>
-            </a:r>
-            <a:r>
-              <a:rPr lang="en-US" dirty="0"/>
-              <a:t>, Trello, </a:t>
-            </a:r>
-            <a:r>
-              <a:rPr lang="en-US" dirty="0" err="1"/>
-              <a:t>Texteditor</a:t>
-            </a:r>
-            <a:r>
-              <a:rPr lang="en-US" dirty="0"/>
-              <a:t> for Meeting Minutes, Slack</a:t>
-            </a:r>
-          </a:p>
-          <a:p>
-            <a:r>
-              <a:rPr lang="en-US" dirty="0"/>
-              <a:t>Team </a:t>
-            </a:r>
-          </a:p>
-          <a:p>
-            <a:pPr lvl="1"/>
-            <a:r>
-              <a:rPr lang="en-US" dirty="0"/>
-              <a:t>5 People, workload divided as good as possible</a:t>
-            </a:r>
-          </a:p>
-        </p:txBody>
-      </p:sp>
-      <p:sp>
-        <p:nvSpPr>
-          <p:cNvPr id="6" name="Inhaltsplatzhalter 5">
-            <a:extLst>
-              <a:ext uri="{FF2B5EF4-FFF2-40B4-BE49-F238E27FC236}">
-                <a16:creationId xmlns:a16="http://schemas.microsoft.com/office/drawing/2014/main" id="{7BA6BB5C-79A2-45B1-BF14-689C118F3300}"/>
-              </a:ext>
-            </a:extLst>
-          </p:cNvPr>
-          <p:cNvSpPr>
-            <a:spLocks noGrp="1"/>
-          </p:cNvSpPr>
-          <p:nvPr>
-            <p:ph sz="quarter" idx="4"/>
-          </p:nvPr>
-        </p:nvSpPr>
-        <p:spPr>
-          <a:xfrm>
-            <a:off x="6187415" y="2247900"/>
-            <a:ext cx="5194583" cy="3613151"/>
-          </a:xfrm>
-        </p:spPr>
-        <p:txBody>
-          <a:bodyPr>
-            <a:normAutofit/>
-          </a:bodyPr>
-          <a:lstStyle/>
-          <a:p>
-            <a:r>
-              <a:rPr lang="en-US" dirty="0"/>
-              <a:t>Meetings</a:t>
-            </a:r>
-          </a:p>
-          <a:p>
-            <a:pPr lvl="1"/>
-            <a:r>
-              <a:rPr lang="en-US" dirty="0"/>
-              <a:t>2 per day (morning &amp; afternoon) – always longer than expected</a:t>
-            </a:r>
-          </a:p>
-          <a:p>
-            <a:r>
-              <a:rPr lang="en-US" dirty="0"/>
-              <a:t>Challenges</a:t>
-            </a:r>
-          </a:p>
-          <a:p>
-            <a:pPr lvl="1"/>
-            <a:r>
-              <a:rPr lang="en-US" dirty="0"/>
-              <a:t>Different working speed</a:t>
-            </a:r>
-          </a:p>
-          <a:p>
-            <a:pPr lvl="1"/>
-            <a:r>
-              <a:rPr lang="en-US" dirty="0"/>
-              <a:t>Trello/Kanban Task List not really necessary because of good communication during meetings</a:t>
-            </a:r>
-          </a:p>
-          <a:p>
-            <a:pPr lvl="1"/>
-            <a:r>
-              <a:rPr lang="en-US" dirty="0"/>
-              <a:t>Communication worked well – Slack comment push when pushing done. </a:t>
-            </a:r>
-          </a:p>
-          <a:p>
-            <a:endParaRPr lang="de-AT" dirty="0"/>
-          </a:p>
-        </p:txBody>
-      </p:sp>
-    </p:spTree>
-    <p:extLst>
-      <p:ext uri="{BB962C8B-B14F-4D97-AF65-F5344CB8AC3E}">
-        <p14:creationId xmlns:p14="http://schemas.microsoft.com/office/powerpoint/2010/main" val="2172731493"/>
-      </p:ext>
-    </p:extLst>
-  </p:cSld>
-  <p:clrMapOvr>
-    <a:masterClrMapping/>
-  </p:clrMapOvr>
-</p:sld>
-</file>
-
 <file path=ppt/slides/slide6.xml><?xml version="1.0" encoding="utf-8"?>
 <p:sld xmlns:a="http://schemas.openxmlformats.org/drawingml/2006/main" xmlns:r="http://schemas.openxmlformats.org/officeDocument/2006/relationships" xmlns:p="http://schemas.openxmlformats.org/presentationml/2006/main">
   <p:cSld>
@@ -9501,6 +9395,224 @@
           <p:cNvPr id="2" name="Titel 1">
             <a:extLst>
               <a:ext uri="{FF2B5EF4-FFF2-40B4-BE49-F238E27FC236}">
+                <a16:creationId xmlns:a16="http://schemas.microsoft.com/office/drawing/2014/main" id="{59D53CCE-F5AD-4E33-BF3E-668912E3EF66}"/>
+              </a:ext>
+            </a:extLst>
+          </p:cNvPr>
+          <p:cNvSpPr>
+            <a:spLocks noGrp="1"/>
+          </p:cNvSpPr>
+          <p:nvPr>
+            <p:ph type="title"/>
+          </p:nvPr>
+        </p:nvSpPr>
+        <p:spPr/>
+        <p:txBody>
+          <a:bodyPr/>
+          <a:lstStyle/>
+          <a:p>
+            <a:r>
+              <a:rPr lang="de-AT" dirty="0"/>
+              <a:t>Summary</a:t>
+            </a:r>
+          </a:p>
+        </p:txBody>
+      </p:sp>
+      <p:sp>
+        <p:nvSpPr>
+          <p:cNvPr id="3" name="Inhaltsplatzhalter 2">
+            <a:extLst>
+              <a:ext uri="{FF2B5EF4-FFF2-40B4-BE49-F238E27FC236}">
+                <a16:creationId xmlns:a16="http://schemas.microsoft.com/office/drawing/2014/main" id="{78A17CCD-F033-4A35-960E-57F8CD8CA085}"/>
+              </a:ext>
+            </a:extLst>
+          </p:cNvPr>
+          <p:cNvSpPr>
+            <a:spLocks noGrp="1"/>
+          </p:cNvSpPr>
+          <p:nvPr>
+            <p:ph sz="half" idx="2"/>
+          </p:nvPr>
+        </p:nvSpPr>
+        <p:spPr>
+          <a:xfrm>
+            <a:off x="814729" y="2247900"/>
+            <a:ext cx="5189856" cy="3613151"/>
+          </a:xfrm>
+        </p:spPr>
+        <p:txBody>
+          <a:bodyPr>
+            <a:normAutofit/>
+          </a:bodyPr>
+          <a:lstStyle/>
+          <a:p>
+            <a:r>
+              <a:rPr lang="en-US" dirty="0"/>
+              <a:t> Technology</a:t>
+            </a:r>
+          </a:p>
+          <a:p>
+            <a:pPr lvl="1"/>
+            <a:r>
+              <a:rPr lang="en-US" dirty="0"/>
+              <a:t>Angular, CSS, </a:t>
+            </a:r>
+            <a:r>
+              <a:rPr lang="en-US" dirty="0" err="1"/>
+              <a:t>Youtube</a:t>
+            </a:r>
+            <a:r>
+              <a:rPr lang="en-US" dirty="0"/>
+              <a:t>-Player</a:t>
+            </a:r>
+          </a:p>
+          <a:p>
+            <a:r>
+              <a:rPr lang="en-US" dirty="0"/>
+              <a:t>Tools</a:t>
+            </a:r>
+          </a:p>
+          <a:p>
+            <a:pPr lvl="1"/>
+            <a:r>
+              <a:rPr lang="en-US" dirty="0" err="1"/>
+              <a:t>MindMeister</a:t>
+            </a:r>
+            <a:r>
+              <a:rPr lang="en-US" dirty="0"/>
+              <a:t>, Trello, </a:t>
+            </a:r>
+            <a:r>
+              <a:rPr lang="en-US" dirty="0" err="1"/>
+              <a:t>Texteditor</a:t>
+            </a:r>
+            <a:r>
+              <a:rPr lang="en-US" dirty="0"/>
+              <a:t> for Meeting Minutes, Slack</a:t>
+            </a:r>
+          </a:p>
+          <a:p>
+            <a:r>
+              <a:rPr lang="en-US" dirty="0"/>
+              <a:t>Team </a:t>
+            </a:r>
+          </a:p>
+          <a:p>
+            <a:pPr lvl="1"/>
+            <a:r>
+              <a:rPr lang="en-US" dirty="0"/>
+              <a:t>5 People, workload divided as good as possible</a:t>
+            </a:r>
+          </a:p>
+        </p:txBody>
+      </p:sp>
+      <p:sp>
+        <p:nvSpPr>
+          <p:cNvPr id="6" name="Inhaltsplatzhalter 5">
+            <a:extLst>
+              <a:ext uri="{FF2B5EF4-FFF2-40B4-BE49-F238E27FC236}">
+                <a16:creationId xmlns:a16="http://schemas.microsoft.com/office/drawing/2014/main" id="{7BA6BB5C-79A2-45B1-BF14-689C118F3300}"/>
+              </a:ext>
+            </a:extLst>
+          </p:cNvPr>
+          <p:cNvSpPr>
+            <a:spLocks noGrp="1"/>
+          </p:cNvSpPr>
+          <p:nvPr>
+            <p:ph sz="quarter" idx="4"/>
+          </p:nvPr>
+        </p:nvSpPr>
+        <p:spPr>
+          <a:xfrm>
+            <a:off x="6187415" y="2247900"/>
+            <a:ext cx="5194583" cy="3613151"/>
+          </a:xfrm>
+        </p:spPr>
+        <p:txBody>
+          <a:bodyPr>
+            <a:normAutofit/>
+          </a:bodyPr>
+          <a:lstStyle/>
+          <a:p>
+            <a:r>
+              <a:rPr lang="en-US" dirty="0"/>
+              <a:t>Meetings</a:t>
+            </a:r>
+          </a:p>
+          <a:p>
+            <a:pPr lvl="1"/>
+            <a:r>
+              <a:rPr lang="en-US" dirty="0"/>
+              <a:t>2 per day (morning &amp; afternoon) – always longer than expected</a:t>
+            </a:r>
+          </a:p>
+          <a:p>
+            <a:r>
+              <a:rPr lang="en-US" dirty="0"/>
+              <a:t>Challenges</a:t>
+            </a:r>
+          </a:p>
+          <a:p>
+            <a:pPr lvl="1"/>
+            <a:r>
+              <a:rPr lang="en-US" dirty="0"/>
+              <a:t>Different working speed</a:t>
+            </a:r>
+          </a:p>
+          <a:p>
+            <a:pPr lvl="1"/>
+            <a:r>
+              <a:rPr lang="en-US" dirty="0"/>
+              <a:t>Trello/Kanban Task List not really necessary because of good communication during meetings</a:t>
+            </a:r>
+          </a:p>
+          <a:p>
+            <a:pPr lvl="1"/>
+            <a:r>
+              <a:rPr lang="en-US" dirty="0"/>
+              <a:t>Communication worked well – Slack comment push when pushing done. </a:t>
+            </a:r>
+          </a:p>
+          <a:p>
+            <a:endParaRPr lang="de-AT" dirty="0"/>
+          </a:p>
+        </p:txBody>
+      </p:sp>
+    </p:spTree>
+    <p:extLst>
+      <p:ext uri="{BB962C8B-B14F-4D97-AF65-F5344CB8AC3E}">
+        <p14:creationId xmlns:p14="http://schemas.microsoft.com/office/powerpoint/2010/main" val="2172731493"/>
+      </p:ext>
+    </p:extLst>
+  </p:cSld>
+  <p:clrMapOvr>
+    <a:masterClrMapping/>
+  </p:clrMapOvr>
+</p:sld>
+</file>
+
+<file path=ppt/slides/slide7.xml><?xml version="1.0" encoding="utf-8"?>
+<p:sld xmlns:a="http://schemas.openxmlformats.org/drawingml/2006/main" xmlns:r="http://schemas.openxmlformats.org/officeDocument/2006/relationships" xmlns:p="http://schemas.openxmlformats.org/presentationml/2006/main">
+  <p:cSld>
+    <p:spTree>
+      <p:nvGrpSpPr>
+        <p:cNvPr id="1" name=""/>
+        <p:cNvGrpSpPr/>
+        <p:nvPr/>
+      </p:nvGrpSpPr>
+      <p:grpSpPr>
+        <a:xfrm>
+          <a:off x="0" y="0"/>
+          <a:ext cx="0" cy="0"/>
+          <a:chOff x="0" y="0"/>
+          <a:chExt cx="0" cy="0"/>
+        </a:xfrm>
+      </p:grpSpPr>
+      <p:sp>
+        <p:nvSpPr>
+          <p:cNvPr id="2" name="Titel 1">
+            <a:extLst>
+              <a:ext uri="{FF2B5EF4-FFF2-40B4-BE49-F238E27FC236}">
                 <a16:creationId xmlns:a16="http://schemas.microsoft.com/office/drawing/2014/main" id="{F2EA3236-2B00-49F1-BE42-C6E99FA8C41A}"/>
               </a:ext>
             </a:extLst>
@@ -9584,7 +9696,7 @@
             <p:ph idx="1"/>
             <p:extLst>
               <p:ext uri="{D42A27DB-BD31-4B8C-83A1-F6EECF244321}">
-                <p14:modId xmlns:p14="http://schemas.microsoft.com/office/powerpoint/2010/main" val="3484210490"/>
+                <p14:modId xmlns:p14="http://schemas.microsoft.com/office/powerpoint/2010/main" val="1206362434"/>
               </p:ext>
             </p:extLst>
           </p:nvPr>

--- a/Presentation_Team_7.pptx
+++ b/Presentation_Team_7.pptx
@@ -924,7 +924,7 @@
         <a:p>
           <a:r>
             <a:rPr lang="en-US" b="0" i="0" dirty="0"/>
-            <a:t> Learning from others, gaining new perspective, understanding and patience for different personality types, overall great experience</a:t>
+            <a:t> Every master was once a disaster.</a:t>
           </a:r>
           <a:endParaRPr lang="de-AT" dirty="0"/>
         </a:p>
@@ -996,9 +996,10 @@
         <a:lstStyle/>
         <a:p>
           <a:r>
-            <a:rPr lang="de-AT" dirty="0"/>
-            <a:t>…</a:t>
+            <a:rPr lang="en-US" dirty="0"/>
+            <a:t>None of us is as smart as all of us</a:t>
           </a:r>
+          <a:endParaRPr lang="de-AT" dirty="0"/>
         </a:p>
       </dgm:t>
     </dgm:pt>
@@ -1069,7 +1070,7 @@
         <a:p>
           <a:r>
             <a:rPr lang="en-US" b="0" i="0" dirty="0"/>
-            <a:t> Go to the team meeting with </a:t>
+            <a:t>Go to the team meeting with </a:t>
           </a:r>
           <a:r>
             <a:rPr lang="en-US" b="0" i="0" dirty="0" err="1"/>
@@ -1185,10 +1186,6 @@
         <a:lstStyle/>
         <a:p>
           <a:r>
-            <a:rPr lang="de-AT" dirty="0"/>
-            <a:t> </a:t>
-          </a:r>
-          <a:r>
             <a:rPr lang="de-AT" dirty="0" err="1"/>
             <a:t>Good</a:t>
           </a:r>
@@ -1270,7 +1267,7 @@
         <a:p>
           <a:r>
             <a:rPr lang="en-US" b="0" i="0" dirty="0"/>
-            <a:t> Working on a project is like peeling through an onion: The first layer is always hard to grab.</a:t>
+            <a:t>Working on a project is like peeling through an onion: The first layer is always hard to grab.</a:t>
           </a:r>
           <a:endParaRPr lang="de-AT" dirty="0"/>
         </a:p>
@@ -1560,7 +1557,7 @@
           </a:pPr>
           <a:r>
             <a:rPr lang="en-US" sz="1600" b="0" i="0" kern="1200" dirty="0"/>
-            <a:t> Learning from others, gaining new perspective, understanding and patience for different personality types, overall great experience</a:t>
+            <a:t> Every master was once a disaster.</a:t>
           </a:r>
           <a:endParaRPr lang="de-AT" sz="1600" kern="1200" dirty="0"/>
         </a:p>
@@ -1716,9 +1713,10 @@
             <a:buChar char="•"/>
           </a:pPr>
           <a:r>
-            <a:rPr lang="de-AT" sz="1600" kern="1200" dirty="0"/>
-            <a:t>…</a:t>
+            <a:rPr lang="en-US" sz="1600" kern="1200" dirty="0"/>
+            <a:t>None of us is as smart as all of us</a:t>
           </a:r>
+          <a:endParaRPr lang="de-AT" sz="1600" kern="1200" dirty="0"/>
         </a:p>
       </dsp:txBody>
       <dsp:txXfrm rot="-5400000">
@@ -1873,7 +1871,7 @@
           </a:pPr>
           <a:r>
             <a:rPr lang="en-US" sz="1600" b="0" i="0" kern="1200" dirty="0"/>
-            <a:t> Go to the team meeting with </a:t>
+            <a:t>Go to the team meeting with </a:t>
           </a:r>
           <a:r>
             <a:rPr lang="en-US" sz="1600" b="0" i="0" kern="1200" dirty="0" err="1"/>
@@ -2036,10 +2034,6 @@
             </a:spcAft>
             <a:buChar char="•"/>
           </a:pPr>
-          <a:r>
-            <a:rPr lang="de-AT" sz="1600" kern="1200" dirty="0"/>
-            <a:t> </a:t>
-          </a:r>
           <a:r>
             <a:rPr lang="de-AT" sz="1600" kern="1200" dirty="0" err="1"/>
             <a:t>Good</a:t>
@@ -2242,7 +2236,7 @@
           </a:pPr>
           <a:r>
             <a:rPr lang="en-US" sz="1600" b="0" i="0" kern="1200" dirty="0"/>
-            <a:t> Working on a project is like peeling through an onion: The first layer is always hard to grab.</a:t>
+            <a:t>Working on a project is like peeling through an onion: The first layer is always hard to grab.</a:t>
           </a:r>
           <a:endParaRPr lang="de-AT" sz="1600" kern="1200" dirty="0"/>
         </a:p>
@@ -3706,7 +3700,7 @@
           <a:effectLst/>
           <a:extLst>
             <a:ext uri="{91240B29-F687-4f45-9708-019B960494DF}">
-              <a14:hiddenLine xmlns="" xmlns:a14="http://schemas.microsoft.com/office/drawing/2010/main" w="9525">
+              <a14:hiddenLine xmlns:a14="http://schemas.microsoft.com/office/drawing/2010/main" xmlns="" w="9525">
                 <a:solidFill>
                   <a:srgbClr val="000000"/>
                 </a:solidFill>
@@ -5216,7 +5210,7 @@
           <a:ln/>
           <a:extLst>
             <a:ext uri="{91240B29-F687-4f45-9708-019B960494DF}">
-              <a14:hiddenLine xmlns="" xmlns:a14="http://schemas.microsoft.com/office/drawing/2010/main" w="9525">
+              <a14:hiddenLine xmlns:a14="http://schemas.microsoft.com/office/drawing/2010/main" xmlns="" w="9525">
                 <a:solidFill>
                   <a:srgbClr val="000000"/>
                 </a:solidFill>
@@ -5488,7 +5482,7 @@
           <a:ln/>
           <a:extLst>
             <a:ext uri="{91240B29-F687-4f45-9708-019B960494DF}">
-              <a14:hiddenLine xmlns="" xmlns:a14="http://schemas.microsoft.com/office/drawing/2010/main" w="9525">
+              <a14:hiddenLine xmlns:a14="http://schemas.microsoft.com/office/drawing/2010/main" xmlns="" w="9525">
                 <a:solidFill>
                   <a:srgbClr val="000000"/>
                 </a:solidFill>
@@ -5771,7 +5765,7 @@
           <a:ln/>
           <a:extLst>
             <a:ext uri="{91240B29-F687-4f45-9708-019B960494DF}">
-              <a14:hiddenLine xmlns="" xmlns:a14="http://schemas.microsoft.com/office/drawing/2010/main" w="9525">
+              <a14:hiddenLine xmlns:a14="http://schemas.microsoft.com/office/drawing/2010/main" xmlns="" w="9525">
                 <a:solidFill>
                   <a:srgbClr val="000000"/>
                 </a:solidFill>
@@ -6391,7 +6385,7 @@
           <a:ln/>
           <a:extLst>
             <a:ext uri="{91240B29-F687-4f45-9708-019B960494DF}">
-              <a14:hiddenLine xmlns="" xmlns:a14="http://schemas.microsoft.com/office/drawing/2010/main" w="9525">
+              <a14:hiddenLine xmlns:a14="http://schemas.microsoft.com/office/drawing/2010/main" xmlns="" w="9525">
                 <a:solidFill>
                   <a:srgbClr val="000000"/>
                 </a:solidFill>
@@ -6730,7 +6724,7 @@
           <a:ln/>
           <a:extLst>
             <a:ext uri="{91240B29-F687-4f45-9708-019B960494DF}">
-              <a14:hiddenLine xmlns="" xmlns:a14="http://schemas.microsoft.com/office/drawing/2010/main" w="9525">
+              <a14:hiddenLine xmlns:a14="http://schemas.microsoft.com/office/drawing/2010/main" xmlns="" w="9525">
                 <a:solidFill>
                   <a:srgbClr val="000000"/>
                 </a:solidFill>
@@ -7204,7 +7198,7 @@
           <a:ln/>
           <a:extLst>
             <a:ext uri="{91240B29-F687-4f45-9708-019B960494DF}">
-              <a14:hiddenLine xmlns="" xmlns:a14="http://schemas.microsoft.com/office/drawing/2010/main" w="9525">
+              <a14:hiddenLine xmlns:a14="http://schemas.microsoft.com/office/drawing/2010/main" xmlns="" w="9525">
                 <a:solidFill>
                   <a:srgbClr val="000000"/>
                 </a:solidFill>
@@ -7627,7 +7621,7 @@
           <a:ln/>
           <a:extLst>
             <a:ext uri="{91240B29-F687-4f45-9708-019B960494DF}">
-              <a14:hiddenLine xmlns="" xmlns:a14="http://schemas.microsoft.com/office/drawing/2010/main" w="9525">
+              <a14:hiddenLine xmlns:a14="http://schemas.microsoft.com/office/drawing/2010/main" xmlns="" w="9525">
                 <a:solidFill>
                   <a:srgbClr val="000000"/>
                 </a:solidFill>
@@ -8931,7 +8925,7 @@
             </a:r>
             <a:r>
               <a:rPr lang="de-AT" sz="2400" dirty="0"/>
-              <a:t>: Aleksandra, Bettina, Faris, Julia, Martin (Team Lead)</a:t>
+              <a:t>: Aleksandra, Bettina, Faris, Julia, Martin 																(Team Lead)</a:t>
             </a:r>
           </a:p>
         </p:txBody>
@@ -9413,8 +9407,13 @@
           <a:p>
             <a:r>
               <a:rPr lang="de-AT" dirty="0"/>
-              <a:t>Summary</a:t>
-            </a:r>
+              <a:t>Team &amp; </a:t>
+            </a:r>
+            <a:r>
+              <a:rPr lang="de-AT" dirty="0" err="1"/>
+              <a:t>Challenges</a:t>
+            </a:r>
+            <a:endParaRPr lang="de-AT" dirty="0"/>
           </a:p>
         </p:txBody>
       </p:sp>
@@ -9448,52 +9447,6 @@
           <a:p>
             <a:r>
               <a:rPr lang="en-US" dirty="0"/>
-              <a:t> Technology</a:t>
-            </a:r>
-          </a:p>
-          <a:p>
-            <a:pPr lvl="1"/>
-            <a:r>
-              <a:rPr lang="en-US" dirty="0"/>
-              <a:t>Angular, CSS, </a:t>
-            </a:r>
-            <a:r>
-              <a:rPr lang="en-US" dirty="0" err="1"/>
-              <a:t>Youtube</a:t>
-            </a:r>
-            <a:r>
-              <a:rPr lang="en-US" dirty="0"/>
-              <a:t>-Player</a:t>
-            </a:r>
-          </a:p>
-          <a:p>
-            <a:r>
-              <a:rPr lang="en-US" dirty="0"/>
-              <a:t>Tools</a:t>
-            </a:r>
-          </a:p>
-          <a:p>
-            <a:pPr lvl="1"/>
-            <a:r>
-              <a:rPr lang="en-US" dirty="0" err="1"/>
-              <a:t>MindMeister</a:t>
-            </a:r>
-            <a:r>
-              <a:rPr lang="en-US" dirty="0"/>
-              <a:t>, Trello, </a:t>
-            </a:r>
-            <a:r>
-              <a:rPr lang="en-US" dirty="0" err="1"/>
-              <a:t>Texteditor</a:t>
-            </a:r>
-            <a:r>
-              <a:rPr lang="en-US" dirty="0"/>
-              <a:t> for Meeting Minutes, Slack</a:t>
-            </a:r>
-          </a:p>
-          <a:p>
-            <a:r>
-              <a:rPr lang="en-US" dirty="0"/>
               <a:t>Team </a:t>
             </a:r>
           </a:p>
@@ -9503,6 +9456,23 @@
               <a:rPr lang="en-US" dirty="0"/>
               <a:t>5 People, workload divided as good as possible</a:t>
             </a:r>
+          </a:p>
+          <a:p>
+            <a:r>
+              <a:rPr lang="en-US" dirty="0"/>
+              <a:t>Meetings</a:t>
+            </a:r>
+          </a:p>
+          <a:p>
+            <a:pPr lvl="1"/>
+            <a:r>
+              <a:rPr lang="en-US" dirty="0"/>
+              <a:t>2 per day (morning &amp; afternoon) – always longer than expected</a:t>
+            </a:r>
+          </a:p>
+          <a:p>
+            <a:pPr lvl="1"/>
+            <a:endParaRPr lang="en-US" dirty="0"/>
           </a:p>
         </p:txBody>
       </p:sp>
@@ -9533,19 +9503,6 @@
             <a:normAutofit/>
           </a:bodyPr>
           <a:lstStyle/>
-          <a:p>
-            <a:r>
-              <a:rPr lang="en-US" dirty="0"/>
-              <a:t>Meetings</a:t>
-            </a:r>
-          </a:p>
-          <a:p>
-            <a:pPr lvl="1"/>
-            <a:r>
-              <a:rPr lang="en-US" dirty="0"/>
-              <a:t>2 per day (morning &amp; afternoon) – always longer than expected</a:t>
-            </a:r>
-          </a:p>
           <a:p>
             <a:r>
               <a:rPr lang="en-US" dirty="0"/>
@@ -9696,7 +9653,7 @@
             <p:ph idx="1"/>
             <p:extLst>
               <p:ext uri="{D42A27DB-BD31-4B8C-83A1-F6EECF244321}">
-                <p14:modId xmlns:p14="http://schemas.microsoft.com/office/powerpoint/2010/main" val="1206362434"/>
+                <p14:modId xmlns:p14="http://schemas.microsoft.com/office/powerpoint/2010/main" val="2672588530"/>
               </p:ext>
             </p:extLst>
           </p:nvPr>
